--- a/presentation/MySQL_Ecommerce_Presentation_Advanced.pptx
+++ b/presentation/MySQL_Ecommerce_Presentation_Advanced.pptx
@@ -20,17 +20,18 @@
     <p:sldId id="268" r:id="rId14"/>
     <p:sldId id="269" r:id="rId15"/>
     <p:sldId id="270" r:id="rId16"/>
-    <p:sldId id="271" r:id="rId17"/>
-    <p:sldId id="272" r:id="rId18"/>
-    <p:sldId id="273" r:id="rId19"/>
-    <p:sldId id="274" r:id="rId20"/>
-    <p:sldId id="275" r:id="rId21"/>
-    <p:sldId id="276" r:id="rId22"/>
-    <p:sldId id="277" r:id="rId23"/>
-    <p:sldId id="278" r:id="rId24"/>
-    <p:sldId id="279" r:id="rId25"/>
-    <p:sldId id="280" r:id="rId26"/>
-    <p:sldId id="281" r:id="rId27"/>
+    <p:sldId id="282" r:id="rId17"/>
+    <p:sldId id="271" r:id="rId18"/>
+    <p:sldId id="272" r:id="rId19"/>
+    <p:sldId id="273" r:id="rId20"/>
+    <p:sldId id="274" r:id="rId21"/>
+    <p:sldId id="275" r:id="rId22"/>
+    <p:sldId id="276" r:id="rId23"/>
+    <p:sldId id="277" r:id="rId24"/>
+    <p:sldId id="278" r:id="rId25"/>
+    <p:sldId id="279" r:id="rId26"/>
+    <p:sldId id="280" r:id="rId27"/>
+    <p:sldId id="281" r:id="rId28"/>
   </p:sldIdLst>
   <p:sldSz cx="9144000" cy="6858000" type="screen4x3"/>
   <p:notesSz cx="6858000" cy="9144000"/>
@@ -345,7 +346,7 @@
           <a:p>
             <a:fld id="{5BCAD085-E8A6-8845-BD4E-CB4CCA059FC4}" type="datetimeFigureOut">
               <a:rPr lang="en-US" smtClean="0"/>
-              <a:t>7/12/2025</a:t>
+              <a:t>7/14/2025</a:t>
             </a:fld>
             <a:endParaRPr lang="en-US"/>
           </a:p>
@@ -537,7 +538,7 @@
           <a:p>
             <a:fld id="{5BCAD085-E8A6-8845-BD4E-CB4CCA059FC4}" type="datetimeFigureOut">
               <a:rPr lang="en-US" smtClean="0"/>
-              <a:t>7/12/2025</a:t>
+              <a:t>7/14/2025</a:t>
             </a:fld>
             <a:endParaRPr lang="en-US"/>
           </a:p>
@@ -717,7 +718,7 @@
           <a:p>
             <a:fld id="{5BCAD085-E8A6-8845-BD4E-CB4CCA059FC4}" type="datetimeFigureOut">
               <a:rPr lang="en-US" smtClean="0"/>
-              <a:t>7/12/2025</a:t>
+              <a:t>7/14/2025</a:t>
             </a:fld>
             <a:endParaRPr lang="en-US"/>
           </a:p>
@@ -887,7 +888,7 @@
           <a:p>
             <a:fld id="{5BCAD085-E8A6-8845-BD4E-CB4CCA059FC4}" type="datetimeFigureOut">
               <a:rPr lang="en-US" smtClean="0"/>
-              <a:t>7/12/2025</a:t>
+              <a:t>7/14/2025</a:t>
             </a:fld>
             <a:endParaRPr lang="en-US"/>
           </a:p>
@@ -1141,7 +1142,7 @@
           <a:p>
             <a:fld id="{5BCAD085-E8A6-8845-BD4E-CB4CCA059FC4}" type="datetimeFigureOut">
               <a:rPr lang="en-US" smtClean="0"/>
-              <a:t>7/12/2025</a:t>
+              <a:t>7/14/2025</a:t>
             </a:fld>
             <a:endParaRPr lang="en-US"/>
           </a:p>
@@ -1467,7 +1468,7 @@
           <a:p>
             <a:fld id="{5BCAD085-E8A6-8845-BD4E-CB4CCA059FC4}" type="datetimeFigureOut">
               <a:rPr lang="en-US" smtClean="0"/>
-              <a:t>7/12/2025</a:t>
+              <a:t>7/14/2025</a:t>
             </a:fld>
             <a:endParaRPr lang="en-US"/>
           </a:p>
@@ -1887,7 +1888,7 @@
           <a:p>
             <a:fld id="{5BCAD085-E8A6-8845-BD4E-CB4CCA059FC4}" type="datetimeFigureOut">
               <a:rPr lang="en-US" smtClean="0"/>
-              <a:t>7/12/2025</a:t>
+              <a:t>7/14/2025</a:t>
             </a:fld>
             <a:endParaRPr lang="en-US"/>
           </a:p>
@@ -2005,7 +2006,7 @@
           <a:p>
             <a:fld id="{5BCAD085-E8A6-8845-BD4E-CB4CCA059FC4}" type="datetimeFigureOut">
               <a:rPr lang="en-US" smtClean="0"/>
-              <a:t>7/12/2025</a:t>
+              <a:t>7/14/2025</a:t>
             </a:fld>
             <a:endParaRPr lang="en-US"/>
           </a:p>
@@ -2100,7 +2101,7 @@
           <a:p>
             <a:fld id="{5BCAD085-E8A6-8845-BD4E-CB4CCA059FC4}" type="datetimeFigureOut">
               <a:rPr lang="en-US" smtClean="0"/>
-              <a:t>7/12/2025</a:t>
+              <a:t>7/14/2025</a:t>
             </a:fld>
             <a:endParaRPr lang="en-US"/>
           </a:p>
@@ -2387,7 +2388,7 @@
           <a:p>
             <a:fld id="{5BCAD085-E8A6-8845-BD4E-CB4CCA059FC4}" type="datetimeFigureOut">
               <a:rPr lang="en-US" smtClean="0"/>
-              <a:t>7/12/2025</a:t>
+              <a:t>7/14/2025</a:t>
             </a:fld>
             <a:endParaRPr lang="en-US"/>
           </a:p>
@@ -2709,7 +2710,7 @@
           <a:p>
             <a:fld id="{5BCAD085-E8A6-8845-BD4E-CB4CCA059FC4}" type="datetimeFigureOut">
               <a:rPr lang="en-US" smtClean="0"/>
-              <a:t>7/12/2025</a:t>
+              <a:t>7/14/2025</a:t>
             </a:fld>
             <a:endParaRPr lang="en-US"/>
           </a:p>
@@ -2963,7 +2964,7 @@
           <a:p>
             <a:fld id="{5BCAD085-E8A6-8845-BD4E-CB4CCA059FC4}" type="datetimeFigureOut">
               <a:rPr lang="en-US" smtClean="0"/>
-              <a:t>7/12/2025</a:t>
+              <a:t>7/14/2025</a:t>
             </a:fld>
             <a:endParaRPr lang="en-US"/>
           </a:p>
@@ -4011,8 +4012,10 @@
           <a:lstStyle/>
           <a:p>
             <a:r>
-              <a:t>Populating Tables</a:t>
-            </a:r>
+              <a:rPr lang="en-US" dirty="0" smtClean="0"/>
+              <a:t>Create Table</a:t>
+            </a:r>
+            <a:endParaRPr lang="en-US" dirty="0"/>
           </a:p>
         </p:txBody>
       </p:sp>
@@ -4031,21 +4034,88 @@
           <a:bodyPr/>
           <a:lstStyle/>
           <a:p>
-            <a:endParaRPr/>
-          </a:p>
-          <a:p>
-            <a:r>
-              <a:t>INSERT INTO Customers (name, email) VALUES ('John', 'john@email.com');</a:t>
-            </a:r>
-          </a:p>
-          <a:p>
-            <a:r>
-              <a:t>Use INSERT to add records into a table</a:t>
-            </a:r>
+            <a:r>
+              <a:rPr lang="en-US" dirty="0"/>
+              <a:t>CREATE TABLE `Customers`(</a:t>
+            </a:r>
+          </a:p>
+          <a:p>
+            <a:r>
+              <a:rPr lang="en-US" dirty="0"/>
+              <a:t>   </a:t>
+            </a:r>
+            <a:r>
+              <a:rPr lang="en-US" dirty="0" smtClean="0"/>
+              <a:t>`</a:t>
+            </a:r>
+            <a:r>
+              <a:rPr lang="en-US" dirty="0"/>
+              <a:t>id` INT UNSIGNED NOT NULL AUTO_INCREMENT PRIMARY KEY,</a:t>
+            </a:r>
+          </a:p>
+          <a:p>
+            <a:r>
+              <a:rPr lang="en-US" dirty="0"/>
+              <a:t>    `</a:t>
+            </a:r>
+            <a:r>
+              <a:rPr lang="en-US" dirty="0" err="1"/>
+              <a:t>firstName</a:t>
+            </a:r>
+            <a:r>
+              <a:rPr lang="en-US" dirty="0"/>
+              <a:t>` VARCHAR(60) NOT NULL,</a:t>
+            </a:r>
+          </a:p>
+          <a:p>
+            <a:r>
+              <a:rPr lang="en-US" dirty="0"/>
+              <a:t>    `</a:t>
+            </a:r>
+            <a:r>
+              <a:rPr lang="en-US" dirty="0" err="1"/>
+              <a:t>lastName</a:t>
+            </a:r>
+            <a:r>
+              <a:rPr lang="en-US" dirty="0"/>
+              <a:t>` VARCHAR(60) NOT NULL,</a:t>
+            </a:r>
+          </a:p>
+          <a:p>
+            <a:r>
+              <a:rPr lang="en-US" dirty="0"/>
+              <a:t>    `email` VARCHAR(60) NOT NULL UNIQUE,</a:t>
+            </a:r>
+          </a:p>
+          <a:p>
+            <a:r>
+              <a:rPr lang="en-US" dirty="0"/>
+              <a:t>    `address` VARCHAR(60) NOT NULL,</a:t>
+            </a:r>
+          </a:p>
+          <a:p>
+            <a:r>
+              <a:rPr lang="en-US" dirty="0"/>
+              <a:t>    `phone` VARCHAR(20) NOT NULL</a:t>
+            </a:r>
+          </a:p>
+          <a:p>
+            <a:r>
+              <a:rPr lang="en-US" dirty="0"/>
+              <a:t>);</a:t>
+            </a:r>
+          </a:p>
+          <a:p>
+            <a:endParaRPr lang="en-US" dirty="0"/>
           </a:p>
         </p:txBody>
       </p:sp>
     </p:spTree>
+    <p:extLst>
+      <p:ext uri="{BB962C8B-B14F-4D97-AF65-F5344CB8AC3E}">
+        <p14:creationId xmlns:p14="http://schemas.microsoft.com/office/powerpoint/2010/main" val="4248719147"/>
+      </p:ext>
+    </p:extLst>
   </p:cSld>
   <p:clrMapOvr>
     <a:masterClrMapping/>
@@ -4086,7 +4156,7 @@
           <a:lstStyle/>
           <a:p>
             <a:r>
-              <a:t>Primary Keys &amp; Foreign Keys</a:t>
+              <a:t>Populating Tables</a:t>
             </a:r>
           </a:p>
         </p:txBody>
@@ -4110,17 +4180,12 @@
           </a:p>
           <a:p>
             <a:r>
-              <a:t>PRIMARY KEY: Uniquely identifies each row (e.g., id)</a:t>
-            </a:r>
-          </a:p>
-          <a:p>
-            <a:r>
-              <a:t>FOREIGN KEY: Links one table to another</a:t>
-            </a:r>
-          </a:p>
-          <a:p>
-            <a:r>
-              <a:t>Maintains referential integrity between tables</a:t>
+              <a:t>INSERT INTO Customers (name, email) VALUES ('John', 'john@email.com');</a:t>
+            </a:r>
+          </a:p>
+          <a:p>
+            <a:r>
+              <a:t>Use INSERT to add records into a table</a:t>
             </a:r>
           </a:p>
         </p:txBody>
@@ -4166,7 +4231,7 @@
           <a:lstStyle/>
           <a:p>
             <a:r>
-              <a:t>Constraints</a:t>
+              <a:t>Primary Keys &amp; Foreign Keys</a:t>
             </a:r>
           </a:p>
         </p:txBody>
@@ -4190,22 +4255,17 @@
           </a:p>
           <a:p>
             <a:r>
-              <a:t>NOT NULL – value must be provided</a:t>
-            </a:r>
-          </a:p>
-          <a:p>
-            <a:r>
-              <a:t>UNIQUE – no duplicates allowed</a:t>
-            </a:r>
-          </a:p>
-          <a:p>
-            <a:r>
-              <a:t>CHECK – condition must be true</a:t>
-            </a:r>
-          </a:p>
-          <a:p>
-            <a:r>
-              <a:t>DEFAULT – value auto-set if not provided</a:t>
+              <a:t>PRIMARY KEY: Uniquely identifies each row (e.g., id)</a:t>
+            </a:r>
+          </a:p>
+          <a:p>
+            <a:r>
+              <a:t>FOREIGN KEY: Links one table to another</a:t>
+            </a:r>
+          </a:p>
+          <a:p>
+            <a:r>
+              <a:t>Maintains referential integrity between tables</a:t>
             </a:r>
           </a:p>
         </p:txBody>
@@ -4251,7 +4311,7 @@
           <a:lstStyle/>
           <a:p>
             <a:r>
-              <a:t>Triggers</a:t>
+              <a:t>Constraints</a:t>
             </a:r>
           </a:p>
         </p:txBody>
@@ -4275,17 +4335,22 @@
           </a:p>
           <a:p>
             <a:r>
-              <a:t>A trigger is code that executes before or after a table event</a:t>
-            </a:r>
-          </a:p>
-          <a:p>
-            <a:r>
-              <a:t>Example: BEFORE INSERT trigger copies product price</a:t>
-            </a:r>
-          </a:p>
-          <a:p>
-            <a:r>
-              <a:t>Helps enforce business rules automatically</a:t>
+              <a:t>NOT NULL – value must be provided</a:t>
+            </a:r>
+          </a:p>
+          <a:p>
+            <a:r>
+              <a:t>UNIQUE – no duplicates allowed</a:t>
+            </a:r>
+          </a:p>
+          <a:p>
+            <a:r>
+              <a:t>CHECK – condition must be true</a:t>
+            </a:r>
+          </a:p>
+          <a:p>
+            <a:r>
+              <a:t>DEFAULT – value auto-set if not provided</a:t>
             </a:r>
           </a:p>
         </p:txBody>
@@ -4411,7 +4476,7 @@
           <a:lstStyle/>
           <a:p>
             <a:r>
-              <a:t>Querying Data (SELECT)</a:t>
+              <a:t>Triggers</a:t>
             </a:r>
           </a:p>
         </p:txBody>
@@ -4431,24 +4496,21 @@
           <a:bodyPr/>
           <a:lstStyle/>
           <a:p>
-            <a:endParaRPr dirty="0"/>
-          </a:p>
-          <a:p>
-            <a:r>
-              <a:rPr dirty="0"/>
-              <a:t>SELECT * FROM Customers;</a:t>
-            </a:r>
-          </a:p>
-          <a:p>
-            <a:r>
-              <a:rPr dirty="0"/>
-              <a:t>SELECT name, price FROM Products WHERE price &gt; 1000;</a:t>
-            </a:r>
-          </a:p>
-          <a:p>
-            <a:r>
-              <a:rPr dirty="0"/>
-              <a:t>SELECT COUNT(*) FROM Orders;</a:t>
+            <a:endParaRPr/>
+          </a:p>
+          <a:p>
+            <a:r>
+              <a:t>A trigger is code that executes before or after a table event</a:t>
+            </a:r>
+          </a:p>
+          <a:p>
+            <a:r>
+              <a:t>Example: BEFORE INSERT trigger copies product price</a:t>
+            </a:r>
+          </a:p>
+          <a:p>
+            <a:r>
+              <a:t>Helps enforce business rules automatically</a:t>
             </a:r>
           </a:p>
         </p:txBody>
@@ -4494,7 +4556,7 @@
           <a:lstStyle/>
           <a:p>
             <a:r>
-              <a:t>Updating Data</a:t>
+              <a:t>Querying Data (SELECT)</a:t>
             </a:r>
           </a:p>
         </p:txBody>
@@ -4514,16 +4576,24 @@
           <a:bodyPr/>
           <a:lstStyle/>
           <a:p>
-            <a:endParaRPr/>
-          </a:p>
-          <a:p>
-            <a:r>
-              <a:t>UPDATE Products SET price = 1099.99 WHERE id = 1;</a:t>
-            </a:r>
-          </a:p>
-          <a:p>
-            <a:r>
-              <a:t>Be careful – always use WHERE to avoid updating all rows</a:t>
+            <a:endParaRPr dirty="0"/>
+          </a:p>
+          <a:p>
+            <a:r>
+              <a:rPr dirty="0"/>
+              <a:t>SELECT * FROM Customers;</a:t>
+            </a:r>
+          </a:p>
+          <a:p>
+            <a:r>
+              <a:rPr dirty="0"/>
+              <a:t>SELECT name, price FROM Products WHERE price &gt; 1000;</a:t>
+            </a:r>
+          </a:p>
+          <a:p>
+            <a:r>
+              <a:rPr dirty="0"/>
+              <a:t>SELECT COUNT(*) FROM Orders;</a:t>
             </a:r>
           </a:p>
         </p:txBody>
@@ -4569,7 +4639,7 @@
           <a:lstStyle/>
           <a:p>
             <a:r>
-              <a:t>Deleting &amp; Truncating</a:t>
+              <a:t>Updating Data</a:t>
             </a:r>
           </a:p>
         </p:txBody>
@@ -4593,12 +4663,12 @@
           </a:p>
           <a:p>
             <a:r>
-              <a:t>DELETE FROM Orders WHERE id = 10; (removes specific rows)</a:t>
-            </a:r>
-          </a:p>
-          <a:p>
-            <a:r>
-              <a:t>TRUNCATE TABLE Orders; (removes all rows, resets AUTO_INCREMENT)</a:t>
+              <a:t>UPDATE Products SET price = 1099.99 WHERE id = 1;</a:t>
+            </a:r>
+          </a:p>
+          <a:p>
+            <a:r>
+              <a:t>Be careful – always use WHERE to avoid updating all rows</a:t>
             </a:r>
           </a:p>
         </p:txBody>
@@ -4644,7 +4714,7 @@
           <a:lstStyle/>
           <a:p>
             <a:r>
-              <a:t>JOINS</a:t>
+              <a:t>Deleting &amp; Truncating</a:t>
             </a:r>
           </a:p>
         </p:txBody>
@@ -4668,17 +4738,12 @@
           </a:p>
           <a:p>
             <a:r>
-              <a:t>INNER JOIN: common values in both tables</a:t>
-            </a:r>
-          </a:p>
-          <a:p>
-            <a:r>
-              <a:t>LEFT JOIN: all from left, matching from right</a:t>
-            </a:r>
-          </a:p>
-          <a:p>
-            <a:r>
-              <a:t>Example: SELECT * FROM Orders JOIN Customers ON Orders.customer_id = Customers.id</a:t>
+              <a:t>DELETE FROM Orders WHERE id = 10; (removes specific rows)</a:t>
+            </a:r>
+          </a:p>
+          <a:p>
+            <a:r>
+              <a:t>TRUNCATE TABLE Orders; (removes all rows, resets AUTO_INCREMENT)</a:t>
             </a:r>
           </a:p>
         </p:txBody>
@@ -4724,7 +4789,7 @@
           <a:lstStyle/>
           <a:p>
             <a:r>
-              <a:t>Subqueries</a:t>
+              <a:t>JOINS</a:t>
             </a:r>
           </a:p>
         </p:txBody>
@@ -4744,18 +4809,21 @@
           <a:bodyPr/>
           <a:lstStyle/>
           <a:p>
-            <a:endParaRPr dirty="0"/>
-          </a:p>
-          <a:p>
-            <a:r>
-              <a:rPr dirty="0"/>
-              <a:t>A query inside another query</a:t>
-            </a:r>
-          </a:p>
-          <a:p>
-            <a:r>
-              <a:rPr dirty="0"/>
-              <a:t>Example: SELECT * FROM Products WHERE price &gt; (SELECT AVG(price) FROM Products);</a:t>
+            <a:endParaRPr/>
+          </a:p>
+          <a:p>
+            <a:r>
+              <a:t>INNER JOIN: common values in both tables</a:t>
+            </a:r>
+          </a:p>
+          <a:p>
+            <a:r>
+              <a:t>LEFT JOIN: all from left, matching from right</a:t>
+            </a:r>
+          </a:p>
+          <a:p>
+            <a:r>
+              <a:t>Example: SELECT * FROM Orders JOIN Customers ON Orders.customer_id = Customers.id</a:t>
             </a:r>
           </a:p>
         </p:txBody>
@@ -4801,7 +4869,7 @@
           <a:lstStyle/>
           <a:p>
             <a:r>
-              <a:t>Transactions, COMMIT &amp; ROLLBACK</a:t>
+              <a:t>Subqueries</a:t>
             </a:r>
           </a:p>
         </p:txBody>
@@ -4821,26 +4889,18 @@
           <a:bodyPr/>
           <a:lstStyle/>
           <a:p>
-            <a:endParaRPr/>
-          </a:p>
-          <a:p>
-            <a:r>
-              <a:t>START TRANSACTION;</a:t>
-            </a:r>
-          </a:p>
-          <a:p>
-            <a:r>
-              <a:t>UPDATE Products SET stock = stock - 1 WHERE id = 1;</a:t>
-            </a:r>
-          </a:p>
-          <a:p>
-            <a:r>
-              <a:t>COMMIT; (saves the changes)</a:t>
-            </a:r>
-          </a:p>
-          <a:p>
-            <a:r>
-              <a:t>ROLLBACK; (undoes the changes if error)</a:t>
+            <a:endParaRPr dirty="0"/>
+          </a:p>
+          <a:p>
+            <a:r>
+              <a:rPr dirty="0"/>
+              <a:t>A query inside another query</a:t>
+            </a:r>
+          </a:p>
+          <a:p>
+            <a:r>
+              <a:rPr dirty="0"/>
+              <a:t>Example: SELECT * FROM Products WHERE price &gt; (SELECT AVG(price) FROM Products);</a:t>
             </a:r>
           </a:p>
         </p:txBody>
@@ -4886,6 +4946,91 @@
           <a:lstStyle/>
           <a:p>
             <a:r>
+              <a:t>Transactions, COMMIT &amp; ROLLBACK</a:t>
+            </a:r>
+          </a:p>
+        </p:txBody>
+      </p:sp>
+      <p:sp>
+        <p:nvSpPr>
+          <p:cNvPr id="3" name="Content Placeholder 2"/>
+          <p:cNvSpPr>
+            <a:spLocks noGrp="1"/>
+          </p:cNvSpPr>
+          <p:nvPr>
+            <p:ph idx="1"/>
+          </p:nvPr>
+        </p:nvSpPr>
+        <p:spPr/>
+        <p:txBody>
+          <a:bodyPr/>
+          <a:lstStyle/>
+          <a:p>
+            <a:endParaRPr/>
+          </a:p>
+          <a:p>
+            <a:r>
+              <a:t>START TRANSACTION;</a:t>
+            </a:r>
+          </a:p>
+          <a:p>
+            <a:r>
+              <a:t>UPDATE Products SET stock = stock - 1 WHERE id = 1;</a:t>
+            </a:r>
+          </a:p>
+          <a:p>
+            <a:r>
+              <a:t>COMMIT; (saves the changes)</a:t>
+            </a:r>
+          </a:p>
+          <a:p>
+            <a:r>
+              <a:t>ROLLBACK; (undoes the changes if error)</a:t>
+            </a:r>
+          </a:p>
+        </p:txBody>
+      </p:sp>
+    </p:spTree>
+  </p:cSld>
+  <p:clrMapOvr>
+    <a:masterClrMapping/>
+  </p:clrMapOvr>
+</p:sld>
+</file>
+
+<file path=ppt/slides/slide27.xml><?xml version="1.0" encoding="utf-8"?>
+<p:sld xmlns:a="http://schemas.openxmlformats.org/drawingml/2006/main" xmlns:r="http://schemas.openxmlformats.org/officeDocument/2006/relationships" xmlns:p="http://schemas.openxmlformats.org/presentationml/2006/main">
+  <p:cSld>
+    <p:spTree>
+      <p:nvGrpSpPr>
+        <p:cNvPr id="1" name=""/>
+        <p:cNvGrpSpPr/>
+        <p:nvPr/>
+      </p:nvGrpSpPr>
+      <p:grpSpPr>
+        <a:xfrm>
+          <a:off x="0" y="0"/>
+          <a:ext cx="0" cy="0"/>
+          <a:chOff x="0" y="0"/>
+          <a:chExt cx="0" cy="0"/>
+        </a:xfrm>
+      </p:grpSpPr>
+      <p:sp>
+        <p:nvSpPr>
+          <p:cNvPr id="2" name="Title 1"/>
+          <p:cNvSpPr>
+            <a:spLocks noGrp="1"/>
+          </p:cNvSpPr>
+          <p:nvPr>
+            <p:ph type="title"/>
+          </p:nvPr>
+        </p:nvSpPr>
+        <p:spPr/>
+        <p:txBody>
+          <a:bodyPr/>
+          <a:lstStyle/>
+          <a:p>
+            <a:r>
               <a:t>Aggregations &amp; GROUP BY</a:t>
             </a:r>
           </a:p>
@@ -5238,31 +5383,56 @@
           <a:bodyPr/>
           <a:lstStyle/>
           <a:p>
-            <a:endParaRPr/>
-          </a:p>
-          <a:p>
-            <a:r>
+            <a:endParaRPr dirty="0"/>
+          </a:p>
+          <a:p>
+            <a:r>
+              <a:rPr dirty="0"/>
               <a:t>Customer → Orders: One-to-Many</a:t>
             </a:r>
           </a:p>
           <a:p>
             <a:r>
-              <a:t>Order → OrderItems: One-to-Many</a:t>
-            </a:r>
-          </a:p>
-          <a:p>
-            <a:r>
-              <a:t>OrderItem → Product: Many-to-One</a:t>
-            </a:r>
-          </a:p>
-          <a:p>
-            <a:r>
+              <a:rPr dirty="0"/>
+              <a:t>Order → </a:t>
+            </a:r>
+            <a:r>
+              <a:rPr dirty="0" err="1"/>
+              <a:t>OrderItems</a:t>
+            </a:r>
+            <a:r>
+              <a:rPr dirty="0"/>
+              <a:t>: One-to-Many</a:t>
+            </a:r>
+          </a:p>
+          <a:p>
+            <a:r>
+              <a:rPr dirty="0" err="1"/>
+              <a:t>OrderItem</a:t>
+            </a:r>
+            <a:r>
+              <a:rPr dirty="0"/>
+              <a:t> → Product: Many-to-One</a:t>
+            </a:r>
+          </a:p>
+          <a:p>
+            <a:r>
+              <a:rPr dirty="0"/>
               <a:t>Product → Category: Many-to-One</a:t>
             </a:r>
           </a:p>
           <a:p>
             <a:r>
-              <a:t>Order → OrderStatus: Many-to-One</a:t>
+              <a:rPr dirty="0"/>
+              <a:t>Order → </a:t>
+            </a:r>
+            <a:r>
+              <a:rPr dirty="0" err="1"/>
+              <a:t>OrderStatus</a:t>
+            </a:r>
+            <a:r>
+              <a:rPr dirty="0"/>
+              <a:t>: Many-to-One</a:t>
             </a:r>
           </a:p>
         </p:txBody>
